--- a/Meta.pptx
+++ b/Meta.pptx
@@ -114,6 +114,11 @@
       </a:defRPr>
     </a:lvl9pPr>
   </p:defaultTextStyle>
+  <p:extLst>
+    <p:ext uri="{EFAFB233-063F-42B5-8137-9DF3F51BA10A}">
+      <p15:sldGuideLst xmlns:p15="http://schemas.microsoft.com/office/powerpoint/2012/main"/>
+    </p:ext>
+  </p:extLst>
 </p:presentation>
 </file>
 
@@ -3093,7 +3098,7 @@
           <a:p>
             <a:fld id="{1160EA64-D806-43AC-9DF2-F8C432F32B4C}" type="datetimeFigureOut">
               <a:rPr lang="en-US" dirty="0"/>
-              <a:t>11/20/2021</a:t>
+              <a:t>11/22/2021</a:t>
             </a:fld>
             <a:endParaRPr lang="en-US" dirty="0"/>
           </a:p>
@@ -3259,7 +3264,7 @@
           <a:p>
             <a:fld id="{E9F9C37B-1D36-470B-8223-D6C91242EC14}" type="datetimeFigureOut">
               <a:rPr lang="en-US" dirty="0"/>
-              <a:t>11/20/2021</a:t>
+              <a:t>11/22/2021</a:t>
             </a:fld>
             <a:endParaRPr lang="en-US" dirty="0"/>
           </a:p>
@@ -3434,7 +3439,7 @@
           <a:p>
             <a:fld id="{67C6F52A-A82B-47A2-A83A-8C4C91F2D59F}" type="datetimeFigureOut">
               <a:rPr lang="en-US" dirty="0"/>
-              <a:t>11/20/2021</a:t>
+              <a:t>11/22/2021</a:t>
             </a:fld>
             <a:endParaRPr lang="en-US" dirty="0"/>
           </a:p>
@@ -3599,7 +3604,7 @@
           <a:p>
             <a:fld id="{F070A7B3-6521-4DCA-87E5-044747A908C1}" type="datetimeFigureOut">
               <a:rPr lang="en-US" dirty="0"/>
-              <a:t>11/20/2021</a:t>
+              <a:t>11/22/2021</a:t>
             </a:fld>
             <a:endParaRPr lang="en-US" dirty="0"/>
           </a:p>
@@ -3863,7 +3868,7 @@
           <a:p>
             <a:fld id="{1160EA64-D806-43AC-9DF2-F8C432F32B4C}" type="datetimeFigureOut">
               <a:rPr lang="en-US" dirty="0"/>
-              <a:t>11/20/2021</a:t>
+              <a:t>11/22/2021</a:t>
             </a:fld>
             <a:endParaRPr lang="en-US" dirty="0"/>
           </a:p>
@@ -4091,7 +4096,7 @@
           <a:p>
             <a:fld id="{AB134690-1557-4C89-A502-4959FE7FAD70}" type="datetimeFigureOut">
               <a:rPr lang="en-US" dirty="0"/>
-              <a:t>11/20/2021</a:t>
+              <a:t>11/22/2021</a:t>
             </a:fld>
             <a:endParaRPr lang="en-US" dirty="0"/>
           </a:p>
@@ -4445,7 +4450,7 @@
           <a:p>
             <a:fld id="{4F7D4976-E339-4826-83B7-FBD03F55ECF8}" type="datetimeFigureOut">
               <a:rPr lang="en-US" dirty="0"/>
-              <a:t>11/20/2021</a:t>
+              <a:t>11/22/2021</a:t>
             </a:fld>
             <a:endParaRPr lang="en-US" dirty="0"/>
           </a:p>
@@ -4581,7 +4586,7 @@
           <a:p>
             <a:fld id="{E1037C31-9E7A-4F99-8774-A0E530DE1A42}" type="datetimeFigureOut">
               <a:rPr lang="en-US" dirty="0"/>
-              <a:t>11/20/2021</a:t>
+              <a:t>11/22/2021</a:t>
             </a:fld>
             <a:endParaRPr lang="en-US" dirty="0"/>
           </a:p>
@@ -4671,7 +4676,7 @@
           <a:p>
             <a:fld id="{C278504F-A551-4DE0-9316-4DCD1D8CC752}" type="datetimeFigureOut">
               <a:rPr lang="en-US" dirty="0"/>
-              <a:t>11/20/2021</a:t>
+              <a:t>11/22/2021</a:t>
             </a:fld>
             <a:endParaRPr lang="en-US" dirty="0"/>
           </a:p>
@@ -5023,7 +5028,7 @@
           <a:p>
             <a:fld id="{D1BE4249-C0D0-4B06-8692-E8BB871AF643}" type="datetimeFigureOut">
               <a:rPr lang="en-US" dirty="0"/>
-              <a:t>11/20/2021</a:t>
+              <a:t>11/22/2021</a:t>
             </a:fld>
             <a:endParaRPr lang="en-US" dirty="0"/>
           </a:p>
@@ -5375,7 +5380,7 @@
           <a:p>
             <a:fld id="{042B0DB6-F5C7-45FB-8CF3-31B45F9C2DAC}" type="datetimeFigureOut">
               <a:rPr lang="en-US" dirty="0"/>
-              <a:t>11/20/2021</a:t>
+              <a:t>11/22/2021</a:t>
             </a:fld>
             <a:endParaRPr lang="en-US" dirty="0"/>
           </a:p>
@@ -5612,7 +5617,7 @@
           <a:p>
             <a:fld id="{1160EA64-D806-43AC-9DF2-F8C432F32B4C}" type="datetimeFigureOut">
               <a:rPr lang="en-US" dirty="0"/>
-              <a:t>11/20/2021</a:t>
+              <a:t>11/22/2021</a:t>
             </a:fld>
             <a:endParaRPr lang="en-US" dirty="0"/>
           </a:p>
@@ -6861,260 +6866,12 @@
           <a:lstStyle/>
           <a:p>
             <a:r>
-              <a:rPr lang="es-ES" dirty="0" err="1">
+              <a:rPr lang="en-IE" dirty="0">
                 <a:solidFill>
                   <a:schemeClr val="bg1"/>
                 </a:solidFill>
               </a:rPr>
-              <a:t>Trying</a:t>
-            </a:r>
-            <a:r>
-              <a:rPr lang="es-ES" dirty="0">
-                <a:solidFill>
-                  <a:schemeClr val="bg1"/>
-                </a:solidFill>
-              </a:rPr>
-              <a:t> </a:t>
-            </a:r>
-            <a:r>
-              <a:rPr lang="es-ES" dirty="0" err="1">
-                <a:solidFill>
-                  <a:schemeClr val="bg1"/>
-                </a:solidFill>
-              </a:rPr>
-              <a:t>to</a:t>
-            </a:r>
-            <a:r>
-              <a:rPr lang="es-ES" dirty="0">
-                <a:solidFill>
-                  <a:schemeClr val="bg1"/>
-                </a:solidFill>
-              </a:rPr>
-              <a:t> </a:t>
-            </a:r>
-            <a:r>
-              <a:rPr lang="es-ES" dirty="0" err="1">
-                <a:solidFill>
-                  <a:schemeClr val="bg1"/>
-                </a:solidFill>
-              </a:rPr>
-              <a:t>kind</a:t>
-            </a:r>
-            <a:r>
-              <a:rPr lang="es-ES" dirty="0">
-                <a:solidFill>
-                  <a:schemeClr val="bg1"/>
-                </a:solidFill>
-              </a:rPr>
-              <a:t> a </a:t>
-            </a:r>
-            <a:r>
-              <a:rPr lang="es-ES" dirty="0" err="1">
-                <a:solidFill>
-                  <a:schemeClr val="bg1"/>
-                </a:solidFill>
-              </a:rPr>
-              <a:t>relation</a:t>
-            </a:r>
-            <a:r>
-              <a:rPr lang="es-ES" dirty="0">
-                <a:solidFill>
-                  <a:schemeClr val="bg1"/>
-                </a:solidFill>
-              </a:rPr>
-              <a:t> </a:t>
-            </a:r>
-            <a:r>
-              <a:rPr lang="es-ES" dirty="0" err="1">
-                <a:solidFill>
-                  <a:schemeClr val="bg1"/>
-                </a:solidFill>
-              </a:rPr>
-              <a:t>between</a:t>
-            </a:r>
-            <a:r>
-              <a:rPr lang="es-ES" dirty="0">
-                <a:solidFill>
-                  <a:schemeClr val="bg1"/>
-                </a:solidFill>
-              </a:rPr>
-              <a:t> </a:t>
-            </a:r>
-            <a:r>
-              <a:rPr lang="es-ES" dirty="0" err="1">
-                <a:solidFill>
-                  <a:schemeClr val="bg1"/>
-                </a:solidFill>
-              </a:rPr>
-              <a:t>the</a:t>
-            </a:r>
-            <a:r>
-              <a:rPr lang="es-ES" dirty="0">
-                <a:solidFill>
-                  <a:schemeClr val="bg1"/>
-                </a:solidFill>
-              </a:rPr>
-              <a:t> PAST_ACCIDENTS and SPEEDING VIOLATIONS  </a:t>
-            </a:r>
-            <a:r>
-              <a:rPr lang="es-ES" dirty="0" err="1">
-                <a:solidFill>
-                  <a:schemeClr val="bg1"/>
-                </a:solidFill>
-              </a:rPr>
-              <a:t>we</a:t>
-            </a:r>
-            <a:r>
-              <a:rPr lang="es-ES" dirty="0">
-                <a:solidFill>
-                  <a:schemeClr val="bg1"/>
-                </a:solidFill>
-              </a:rPr>
-              <a:t> can </a:t>
-            </a:r>
-            <a:r>
-              <a:rPr lang="es-ES" dirty="0" err="1">
-                <a:solidFill>
-                  <a:schemeClr val="bg1"/>
-                </a:solidFill>
-              </a:rPr>
-              <a:t>see</a:t>
-            </a:r>
-            <a:r>
-              <a:rPr lang="es-ES" dirty="0">
-                <a:solidFill>
-                  <a:schemeClr val="bg1"/>
-                </a:solidFill>
-              </a:rPr>
-              <a:t> a similar </a:t>
-            </a:r>
-            <a:r>
-              <a:rPr lang="es-ES" dirty="0" err="1">
-                <a:solidFill>
-                  <a:schemeClr val="bg1"/>
-                </a:solidFill>
-              </a:rPr>
-              <a:t>distribution</a:t>
-            </a:r>
-            <a:r>
-              <a:rPr lang="es-ES" dirty="0">
-                <a:solidFill>
-                  <a:schemeClr val="bg1"/>
-                </a:solidFill>
-              </a:rPr>
-              <a:t> </a:t>
-            </a:r>
-            <a:r>
-              <a:rPr lang="es-ES" dirty="0" err="1">
-                <a:solidFill>
-                  <a:schemeClr val="bg1"/>
-                </a:solidFill>
-              </a:rPr>
-              <a:t>but</a:t>
-            </a:r>
-            <a:r>
-              <a:rPr lang="es-ES" dirty="0">
-                <a:solidFill>
-                  <a:schemeClr val="bg1"/>
-                </a:solidFill>
-              </a:rPr>
-              <a:t> </a:t>
-            </a:r>
-            <a:r>
-              <a:rPr lang="es-ES" dirty="0" err="1">
-                <a:solidFill>
-                  <a:schemeClr val="bg1"/>
-                </a:solidFill>
-              </a:rPr>
-              <a:t>the</a:t>
-            </a:r>
-            <a:r>
-              <a:rPr lang="es-ES" dirty="0">
-                <a:solidFill>
-                  <a:schemeClr val="bg1"/>
-                </a:solidFill>
-              </a:rPr>
-              <a:t> negative </a:t>
-            </a:r>
-            <a:r>
-              <a:rPr lang="es-ES" dirty="0" err="1">
-                <a:solidFill>
-                  <a:schemeClr val="bg1"/>
-                </a:solidFill>
-              </a:rPr>
-              <a:t>outcome</a:t>
-            </a:r>
-            <a:r>
-              <a:rPr lang="es-ES" dirty="0">
-                <a:solidFill>
-                  <a:schemeClr val="bg1"/>
-                </a:solidFill>
-              </a:rPr>
-              <a:t> </a:t>
-            </a:r>
-            <a:r>
-              <a:rPr lang="es-ES" dirty="0" err="1">
-                <a:solidFill>
-                  <a:schemeClr val="bg1"/>
-                </a:solidFill>
-              </a:rPr>
-              <a:t>is</a:t>
-            </a:r>
-            <a:r>
-              <a:rPr lang="es-ES" dirty="0">
-                <a:solidFill>
-                  <a:schemeClr val="bg1"/>
-                </a:solidFill>
-              </a:rPr>
-              <a:t> </a:t>
-            </a:r>
-            <a:r>
-              <a:rPr lang="es-ES" dirty="0" err="1">
-                <a:solidFill>
-                  <a:schemeClr val="bg1"/>
-                </a:solidFill>
-              </a:rPr>
-              <a:t>related</a:t>
-            </a:r>
-            <a:r>
-              <a:rPr lang="es-ES" dirty="0">
-                <a:solidFill>
-                  <a:schemeClr val="bg1"/>
-                </a:solidFill>
-              </a:rPr>
-              <a:t> </a:t>
-            </a:r>
-            <a:r>
-              <a:rPr lang="es-ES" dirty="0" err="1">
-                <a:solidFill>
-                  <a:schemeClr val="bg1"/>
-                </a:solidFill>
-              </a:rPr>
-              <a:t>to</a:t>
-            </a:r>
-            <a:r>
-              <a:rPr lang="es-ES" dirty="0">
-                <a:solidFill>
-                  <a:schemeClr val="bg1"/>
-                </a:solidFill>
-              </a:rPr>
-              <a:t> more </a:t>
-            </a:r>
-            <a:r>
-              <a:rPr lang="es-ES" dirty="0" err="1">
-                <a:solidFill>
-                  <a:schemeClr val="bg1"/>
-                </a:solidFill>
-              </a:rPr>
-              <a:t>violations</a:t>
-            </a:r>
-            <a:r>
-              <a:rPr lang="es-ES" dirty="0">
-                <a:solidFill>
-                  <a:schemeClr val="bg1"/>
-                </a:solidFill>
-              </a:rPr>
-              <a:t>.</a:t>
+              <a:t>Trying to kind a relation between the PAST_ACCIDENTS and SPEEDING VIOLATIONS  we can see a similar distribution but the negative outcome is related to more violations.</a:t>
             </a:r>
           </a:p>
         </p:txBody>
@@ -7619,7 +7376,7 @@
             </a:r>
             <a:r>
               <a:rPr lang="es-ES" dirty="0" err="1"/>
-              <a:t>Freature</a:t>
+              <a:t>Feature</a:t>
             </a:r>
             <a:r>
               <a:rPr lang="es-ES" dirty="0"/>
@@ -7661,29 +7418,13 @@
           <a:p>
             <a:r>
               <a:rPr lang="en-IE" dirty="0"/>
-              <a:t>The data is </a:t>
-            </a:r>
-            <a:r>
-              <a:rPr lang="en-IE" dirty="0" err="1"/>
-              <a:t>analyzed</a:t>
-            </a:r>
+              <a:t>The data is analysed to find the correct type.</a:t>
+            </a:r>
+          </a:p>
+          <a:p>
             <a:r>
               <a:rPr lang="en-IE" dirty="0"/>
-              <a:t> to find the correct type.</a:t>
-            </a:r>
-          </a:p>
-          <a:p>
-            <a:r>
-              <a:rPr lang="en-IE" dirty="0"/>
-              <a:t>Example:  AGE normally is a numerical </a:t>
-            </a:r>
-            <a:r>
-              <a:rPr lang="en-IE" dirty="0" err="1"/>
-              <a:t>freature</a:t>
-            </a:r>
-            <a:r>
-              <a:rPr lang="en-IE" dirty="0"/>
-              <a:t> but in this case is categorical, because the author defied ranges instead of the real age.</a:t>
+              <a:t>Example:  AGE normally is a numerical feature but in this case is categorical, because the author defied ranges instead of the real age.</a:t>
             </a:r>
           </a:p>
         </p:txBody>
@@ -8842,32 +8583,7 @@
                   <a:schemeClr val="bg1"/>
                 </a:solidFill>
               </a:rPr>
-              <a:t>In this case we are using KNN with 2 </a:t>
-            </a:r>
-            <a:r>
-              <a:rPr lang="es-ES" dirty="0" err="1">
-                <a:solidFill>
-                  <a:schemeClr val="bg1"/>
-                </a:solidFill>
-              </a:rPr>
-              <a:t>n</a:t>
-            </a:r>
-            <a:r>
-              <a:rPr lang="es-ES" dirty="0" err="1">
-                <a:solidFill>
-                  <a:schemeClr val="bg1"/>
-                </a:solidFill>
-                <a:effectLst/>
-              </a:rPr>
-              <a:t>eighbors</a:t>
-            </a:r>
-            <a:r>
-              <a:rPr lang="en-IE" dirty="0">
-                <a:solidFill>
-                  <a:schemeClr val="bg1"/>
-                </a:solidFill>
-              </a:rPr>
-              <a:t> to estimate the value of the CREDIT_SCORE</a:t>
+              <a:t>In this case we are using KNN with 2 neighbours to estimate the value of the CREDIT_SCORE</a:t>
             </a:r>
           </a:p>
           <a:p>
@@ -9856,6 +9572,21 @@
 </file>
 
 <file path=customXml/item1.xml><?xml version="1.0" encoding="utf-8"?>
+<p:properties xmlns:p="http://schemas.microsoft.com/office/2006/metadata/properties" xmlns:xsi="http://www.w3.org/2001/XMLSchema-instance" xmlns:pc="http://schemas.microsoft.com/office/infopath/2007/PartnerControls">
+  <documentManagement/>
+</p:properties>
+</file>
+
+<file path=customXml/item2.xml><?xml version="1.0" encoding="utf-8"?>
+<?mso-contentType ?>
+<FormTemplates xmlns="http://schemas.microsoft.com/sharepoint/v3/contenttype/forms">
+  <Display>DocumentLibraryForm</Display>
+  <Edit>DocumentLibraryForm</Edit>
+  <New>DocumentLibraryForm</New>
+</FormTemplates>
+</file>
+
+<file path=customXml/item3.xml><?xml version="1.0" encoding="utf-8"?>
 <ct:contentTypeSchema xmlns:ct="http://schemas.microsoft.com/office/2006/metadata/contentType" xmlns:ma="http://schemas.microsoft.com/office/2006/metadata/properties/metaAttributes" ct:_="" ma:_="" ma:contentTypeName="Document" ma:contentTypeID="0x010100C6FD70EE9254CC46ABBEBE32DE1BE1B6" ma:contentTypeVersion="2" ma:contentTypeDescription="Create a new document." ma:contentTypeScope="" ma:versionID="63c41c7423ae3a58dfd4ca78feb7471b">
   <xsd:schema xmlns:xsd="http://www.w3.org/2001/XMLSchema" xmlns:xs="http://www.w3.org/2001/XMLSchema" xmlns:p="http://schemas.microsoft.com/office/2006/metadata/properties" xmlns:ns3="f039d1c1-2f2a-414e-b853-a867c4cc8c94" targetNamespace="http://schemas.microsoft.com/office/2006/metadata/properties" ma:root="true" ma:fieldsID="8fae3d66e02031a460d40eac430aae51" ns3:_="">
     <xsd:import namespace="f039d1c1-2f2a-414e-b853-a867c4cc8c94"/>
@@ -9987,22 +9718,31 @@
 </ct:contentTypeSchema>
 </file>
 
-<file path=customXml/item2.xml><?xml version="1.0" encoding="utf-8"?>
-<?mso-contentType ?>
-<FormTemplates xmlns="http://schemas.microsoft.com/sharepoint/v3/contenttype/forms">
-  <Display>DocumentLibraryForm</Display>
-  <Edit>DocumentLibraryForm</Edit>
-  <New>DocumentLibraryForm</New>
-</FormTemplates>
+<file path=customXml/itemProps1.xml><?xml version="1.0" encoding="utf-8"?>
+<ds:datastoreItem xmlns:ds="http://schemas.openxmlformats.org/officeDocument/2006/customXml" ds:itemID="{DF009FCA-9EB5-4CF6-8740-D555B8ED7DF2}">
+  <ds:schemaRefs>
+    <ds:schemaRef ds:uri="http://schemas.microsoft.com/office/2006/metadata/properties"/>
+    <ds:schemaRef ds:uri="http://purl.org/dc/dcmitype/"/>
+    <ds:schemaRef ds:uri="http://purl.org/dc/elements/1.1/"/>
+    <ds:schemaRef ds:uri="http://schemas.microsoft.com/office/2006/documentManagement/types"/>
+    <ds:schemaRef ds:uri="f039d1c1-2f2a-414e-b853-a867c4cc8c94"/>
+    <ds:schemaRef ds:uri="http://schemas.openxmlformats.org/package/2006/metadata/core-properties"/>
+    <ds:schemaRef ds:uri="http://schemas.microsoft.com/office/infopath/2007/PartnerControls"/>
+    <ds:schemaRef ds:uri="http://www.w3.org/XML/1998/namespace"/>
+    <ds:schemaRef ds:uri="http://purl.org/dc/terms/"/>
+  </ds:schemaRefs>
+</ds:datastoreItem>
 </file>
 
-<file path=customXml/item3.xml><?xml version="1.0" encoding="utf-8"?>
-<p:properties xmlns:p="http://schemas.microsoft.com/office/2006/metadata/properties" xmlns:xsi="http://www.w3.org/2001/XMLSchema-instance" xmlns:pc="http://schemas.microsoft.com/office/infopath/2007/PartnerControls">
-  <documentManagement/>
-</p:properties>
+<file path=customXml/itemProps2.xml><?xml version="1.0" encoding="utf-8"?>
+<ds:datastoreItem xmlns:ds="http://schemas.openxmlformats.org/officeDocument/2006/customXml" ds:itemID="{6FB61383-BAB3-4EB2-9D0A-39E2C63E6389}">
+  <ds:schemaRefs>
+    <ds:schemaRef ds:uri="http://schemas.microsoft.com/sharepoint/v3/contenttype/forms"/>
+  </ds:schemaRefs>
+</ds:datastoreItem>
 </file>
 
-<file path=customXml/itemProps1.xml><?xml version="1.0" encoding="utf-8"?>
+<file path=customXml/itemProps3.xml><?xml version="1.0" encoding="utf-8"?>
 <ds:datastoreItem xmlns:ds="http://schemas.openxmlformats.org/officeDocument/2006/customXml" ds:itemID="{121CC2A8-4C69-4E25-A5D5-8B433931E619}">
   <ds:schemaRefs>
     <ds:schemaRef ds:uri="http://schemas.microsoft.com/office/2006/metadata/contentType"/>
@@ -10018,28 +9758,4 @@
     <ds:schemaRef ds:uri="http://schemas.microsoft.com/internal/obd"/>
   </ds:schemaRefs>
 </ds:datastoreItem>
-</file>
-
-<file path=customXml/itemProps2.xml><?xml version="1.0" encoding="utf-8"?>
-<ds:datastoreItem xmlns:ds="http://schemas.openxmlformats.org/officeDocument/2006/customXml" ds:itemID="{6FB61383-BAB3-4EB2-9D0A-39E2C63E6389}">
-  <ds:schemaRefs>
-    <ds:schemaRef ds:uri="http://schemas.microsoft.com/sharepoint/v3/contenttype/forms"/>
-  </ds:schemaRefs>
-</ds:datastoreItem>
-</file>
-
-<file path=customXml/itemProps3.xml><?xml version="1.0" encoding="utf-8"?>
-<ds:datastoreItem xmlns:ds="http://schemas.openxmlformats.org/officeDocument/2006/customXml" ds:itemID="{DF009FCA-9EB5-4CF6-8740-D555B8ED7DF2}">
-  <ds:schemaRefs>
-    <ds:schemaRef ds:uri="http://schemas.microsoft.com/office/2006/metadata/properties"/>
-    <ds:schemaRef ds:uri="http://purl.org/dc/dcmitype/"/>
-    <ds:schemaRef ds:uri="http://purl.org/dc/elements/1.1/"/>
-    <ds:schemaRef ds:uri="http://schemas.microsoft.com/office/2006/documentManagement/types"/>
-    <ds:schemaRef ds:uri="f039d1c1-2f2a-414e-b853-a867c4cc8c94"/>
-    <ds:schemaRef ds:uri="http://schemas.openxmlformats.org/package/2006/metadata/core-properties"/>
-    <ds:schemaRef ds:uri="http://schemas.microsoft.com/office/infopath/2007/PartnerControls"/>
-    <ds:schemaRef ds:uri="http://www.w3.org/XML/1998/namespace"/>
-    <ds:schemaRef ds:uri="http://purl.org/dc/terms/"/>
-  </ds:schemaRefs>
-</ds:datastoreItem>
 </file>